--- a/Фриланс биржа.pptx
+++ b/Фриланс биржа.pptx
@@ -8,7 +8,8 @@
     <p:sldId id="256" r:id="rId2"/>
     <p:sldId id="257" r:id="rId3"/>
     <p:sldId id="258" r:id="rId4"/>
-    <p:sldId id="259" r:id="rId5"/>
+    <p:sldId id="260" r:id="rId5"/>
+    <p:sldId id="259" r:id="rId6"/>
   </p:sldIdLst>
   <p:sldSz cx="12192000" cy="6858000"/>
   <p:notesSz cx="6858000" cy="9144000"/>
@@ -107,6 +108,11 @@
       </a:defRPr>
     </a:lvl9pPr>
   </p:defaultTextStyle>
+  <p:extLst>
+    <p:ext uri="{EFAFB233-063F-42B5-8137-9DF3F51BA10A}">
+      <p15:sldGuideLst xmlns:p15="http://schemas.microsoft.com/office/powerpoint/2012/main"/>
+    </p:ext>
+  </p:extLst>
 </p:presentation>
 </file>
 
@@ -306,7 +312,7 @@
           <a:p>
             <a:fld id="{C35381A5-2B93-4071-8756-2010558D0173}" type="datetimeFigureOut">
               <a:rPr lang="ru-RU" smtClean="0"/>
-              <a:t>29.04.2024</a:t>
+              <a:t>05.05.2024</a:t>
             </a:fld>
             <a:endParaRPr lang="ru-RU"/>
           </a:p>
@@ -527,7 +533,7 @@
           <a:p>
             <a:fld id="{C35381A5-2B93-4071-8756-2010558D0173}" type="datetimeFigureOut">
               <a:rPr lang="ru-RU" smtClean="0"/>
-              <a:t>29.04.2024</a:t>
+              <a:t>05.05.2024</a:t>
             </a:fld>
             <a:endParaRPr lang="ru-RU"/>
           </a:p>
@@ -707,7 +713,7 @@
           <a:p>
             <a:fld id="{C35381A5-2B93-4071-8756-2010558D0173}" type="datetimeFigureOut">
               <a:rPr lang="ru-RU" smtClean="0"/>
-              <a:t>29.04.2024</a:t>
+              <a:t>05.05.2024</a:t>
             </a:fld>
             <a:endParaRPr lang="ru-RU"/>
           </a:p>
@@ -877,7 +883,7 @@
           <a:p>
             <a:fld id="{C35381A5-2B93-4071-8756-2010558D0173}" type="datetimeFigureOut">
               <a:rPr lang="ru-RU" smtClean="0"/>
-              <a:t>29.04.2024</a:t>
+              <a:t>05.05.2024</a:t>
             </a:fld>
             <a:endParaRPr lang="ru-RU"/>
           </a:p>
@@ -1128,7 +1134,7 @@
           <a:p>
             <a:fld id="{C35381A5-2B93-4071-8756-2010558D0173}" type="datetimeFigureOut">
               <a:rPr lang="ru-RU" smtClean="0"/>
-              <a:t>29.04.2024</a:t>
+              <a:t>05.05.2024</a:t>
             </a:fld>
             <a:endParaRPr lang="ru-RU"/>
           </a:p>
@@ -1451,7 +1457,7 @@
           <a:p>
             <a:fld id="{C35381A5-2B93-4071-8756-2010558D0173}" type="datetimeFigureOut">
               <a:rPr lang="ru-RU" smtClean="0"/>
-              <a:t>29.04.2024</a:t>
+              <a:t>05.05.2024</a:t>
             </a:fld>
             <a:endParaRPr lang="ru-RU"/>
           </a:p>
@@ -1875,7 +1881,7 @@
           <a:p>
             <a:fld id="{C35381A5-2B93-4071-8756-2010558D0173}" type="datetimeFigureOut">
               <a:rPr lang="ru-RU" smtClean="0"/>
-              <a:t>29.04.2024</a:t>
+              <a:t>05.05.2024</a:t>
             </a:fld>
             <a:endParaRPr lang="ru-RU"/>
           </a:p>
@@ -1993,7 +1999,7 @@
           <a:p>
             <a:fld id="{C35381A5-2B93-4071-8756-2010558D0173}" type="datetimeFigureOut">
               <a:rPr lang="ru-RU" smtClean="0"/>
-              <a:t>29.04.2024</a:t>
+              <a:t>05.05.2024</a:t>
             </a:fld>
             <a:endParaRPr lang="ru-RU"/>
           </a:p>
@@ -2088,7 +2094,7 @@
           <a:p>
             <a:fld id="{C35381A5-2B93-4071-8756-2010558D0173}" type="datetimeFigureOut">
               <a:rPr lang="ru-RU" smtClean="0"/>
-              <a:t>29.04.2024</a:t>
+              <a:t>05.05.2024</a:t>
             </a:fld>
             <a:endParaRPr lang="ru-RU"/>
           </a:p>
@@ -2378,7 +2384,7 @@
           <a:p>
             <a:fld id="{C35381A5-2B93-4071-8756-2010558D0173}" type="datetimeFigureOut">
               <a:rPr lang="ru-RU" smtClean="0"/>
-              <a:t>29.04.2024</a:t>
+              <a:t>05.05.2024</a:t>
             </a:fld>
             <a:endParaRPr lang="ru-RU"/>
           </a:p>
@@ -2650,7 +2656,7 @@
           <a:p>
             <a:fld id="{C35381A5-2B93-4071-8756-2010558D0173}" type="datetimeFigureOut">
               <a:rPr lang="ru-RU" smtClean="0"/>
-              <a:t>29.04.2024</a:t>
+              <a:t>05.05.2024</a:t>
             </a:fld>
             <a:endParaRPr lang="ru-RU"/>
           </a:p>
@@ -2904,7 +2910,7 @@
           <a:p>
             <a:fld id="{C35381A5-2B93-4071-8756-2010558D0173}" type="datetimeFigureOut">
               <a:rPr lang="ru-RU" smtClean="0"/>
-              <a:t>29.04.2024</a:t>
+              <a:t>05.05.2024</a:t>
             </a:fld>
             <a:endParaRPr lang="ru-RU"/>
           </a:p>
@@ -3393,6 +3399,61 @@
           </a:p>
         </p:txBody>
       </p:sp>
+      <p:sp>
+        <p:nvSpPr>
+          <p:cNvPr id="3" name="TextBox 2">
+            <a:extLst>
+              <a:ext uri="{FF2B5EF4-FFF2-40B4-BE49-F238E27FC236}">
+                <a16:creationId xmlns:a16="http://schemas.microsoft.com/office/drawing/2014/main" id="{3F17CED1-64B5-43DB-B3D9-C006761C028C}"/>
+              </a:ext>
+            </a:extLst>
+          </p:cNvPr>
+          <p:cNvSpPr txBox="1"/>
+          <p:nvPr/>
+        </p:nvSpPr>
+        <p:spPr>
+          <a:xfrm>
+            <a:off x="8716161" y="5790958"/>
+            <a:ext cx="2913233" cy="369332"/>
+          </a:xfrm>
+          <a:prstGeom prst="rect">
+            <a:avLst/>
+          </a:prstGeom>
+          <a:noFill/>
+        </p:spPr>
+        <p:txBody>
+          <a:bodyPr wrap="none" rtlCol="0">
+            <a:spAutoFit/>
+          </a:bodyPr>
+          <a:lstStyle/>
+          <a:p>
+            <a:r>
+              <a:rPr lang="ru-RU" dirty="0">
+                <a:solidFill>
+                  <a:schemeClr val="bg1"/>
+                </a:solidFill>
+              </a:rPr>
+              <a:t>Сделал</a:t>
+            </a:r>
+            <a:r>
+              <a:rPr lang="en-US" dirty="0">
+                <a:solidFill>
+                  <a:schemeClr val="bg1"/>
+                </a:solidFill>
+              </a:rPr>
+              <a:t>: </a:t>
+            </a:r>
+            <a:r>
+              <a:rPr lang="ru-RU" dirty="0">
+                <a:solidFill>
+                  <a:schemeClr val="bg1"/>
+                </a:solidFill>
+              </a:rPr>
+              <a:t>Тоцкий Владислав</a:t>
+            </a:r>
+          </a:p>
+        </p:txBody>
+      </p:sp>
     </p:spTree>
     <p:extLst>
       <p:ext uri="{BB962C8B-B14F-4D97-AF65-F5344CB8AC3E}">
@@ -3423,6 +3484,42 @@
           <a:chExt cx="0" cy="0"/>
         </a:xfrm>
       </p:grpSpPr>
+      <p:pic>
+        <p:nvPicPr>
+          <p:cNvPr id="5" name="Рисунок 4">
+            <a:extLst>
+              <a:ext uri="{FF2B5EF4-FFF2-40B4-BE49-F238E27FC236}">
+                <a16:creationId xmlns:a16="http://schemas.microsoft.com/office/drawing/2014/main" id="{90BFC05E-C133-483C-879E-30454C356790}"/>
+              </a:ext>
+            </a:extLst>
+          </p:cNvPr>
+          <p:cNvPicPr>
+            <a:picLocks noChangeAspect="1"/>
+          </p:cNvPicPr>
+          <p:nvPr/>
+        </p:nvPicPr>
+        <p:blipFill>
+          <a:blip r:embed="rId2">
+            <a:extLst>
+              <a:ext uri="{28A0092B-C50C-407E-A947-70E740481C1C}">
+                <a14:useLocalDpi xmlns:a14="http://schemas.microsoft.com/office/drawing/2010/main" val="0"/>
+              </a:ext>
+            </a:extLst>
+          </a:blip>
+          <a:stretch>
+            <a:fillRect/>
+          </a:stretch>
+        </p:blipFill>
+        <p:spPr>
+          <a:xfrm>
+            <a:off x="8185654" y="1615162"/>
+            <a:ext cx="3283043" cy="3043106"/>
+          </a:xfrm>
+          <a:prstGeom prst="rect">
+            <a:avLst/>
+          </a:prstGeom>
+        </p:spPr>
+      </p:pic>
       <p:sp>
         <p:nvSpPr>
           <p:cNvPr id="2" name="Заголовок 1">
@@ -3439,11 +3536,17 @@
             <p:ph type="title"/>
           </p:nvPr>
         </p:nvSpPr>
-        <p:spPr/>
-        <p:txBody>
-          <a:bodyPr/>
-          <a:lstStyle/>
-          <a:p>
+        <p:spPr>
+          <a:xfrm>
+            <a:off x="-367019" y="1115458"/>
+            <a:ext cx="7300347" cy="1356360"/>
+          </a:xfrm>
+        </p:spPr>
+        <p:txBody>
+          <a:bodyPr/>
+          <a:lstStyle/>
+          <a:p>
+            <a:pPr algn="ctr"/>
             <a:r>
               <a:rPr lang="ru-RU" dirty="0"/>
               <a:t>Что это</a:t>
@@ -3472,7 +3575,12 @@
             <p:ph idx="1"/>
           </p:nvPr>
         </p:nvSpPr>
-        <p:spPr/>
+        <p:spPr>
+          <a:xfrm>
+            <a:off x="865915" y="2859878"/>
+            <a:ext cx="7174759" cy="1356360"/>
+          </a:xfrm>
+        </p:spPr>
         <p:txBody>
           <a:bodyPr/>
           <a:lstStyle/>
@@ -3517,6 +3625,42 @@
           <a:chExt cx="0" cy="0"/>
         </a:xfrm>
       </p:grpSpPr>
+      <p:pic>
+        <p:nvPicPr>
+          <p:cNvPr id="5" name="Рисунок 4">
+            <a:extLst>
+              <a:ext uri="{FF2B5EF4-FFF2-40B4-BE49-F238E27FC236}">
+                <a16:creationId xmlns:a16="http://schemas.microsoft.com/office/drawing/2014/main" id="{C7B6C07C-67A4-4A73-9FD7-F62723A296E5}"/>
+              </a:ext>
+            </a:extLst>
+          </p:cNvPr>
+          <p:cNvPicPr>
+            <a:picLocks noChangeAspect="1"/>
+          </p:cNvPicPr>
+          <p:nvPr/>
+        </p:nvPicPr>
+        <p:blipFill>
+          <a:blip r:embed="rId2">
+            <a:extLst>
+              <a:ext uri="{28A0092B-C50C-407E-A947-70E740481C1C}">
+                <a14:useLocalDpi xmlns:a14="http://schemas.microsoft.com/office/drawing/2010/main" val="0"/>
+              </a:ext>
+            </a:extLst>
+          </a:blip>
+          <a:stretch>
+            <a:fillRect/>
+          </a:stretch>
+        </p:blipFill>
+        <p:spPr>
+          <a:xfrm>
+            <a:off x="8682605" y="1222520"/>
+            <a:ext cx="2836363" cy="2918845"/>
+          </a:xfrm>
+          <a:prstGeom prst="rect">
+            <a:avLst/>
+          </a:prstGeom>
+        </p:spPr>
+      </p:pic>
       <p:sp>
         <p:nvSpPr>
           <p:cNvPr id="2" name="Заголовок 1">
@@ -3533,14 +3677,28 @@
             <p:ph type="title"/>
           </p:nvPr>
         </p:nvSpPr>
-        <p:spPr/>
-        <p:txBody>
-          <a:bodyPr/>
-          <a:lstStyle/>
-          <a:p>
+        <p:spPr>
+          <a:xfrm>
+            <a:off x="707471" y="987629"/>
+            <a:ext cx="7757719" cy="1093365"/>
+          </a:xfrm>
+        </p:spPr>
+        <p:txBody>
+          <a:bodyPr/>
+          <a:lstStyle/>
+          <a:p>
+            <a:pPr algn="ctr"/>
             <a:r>
               <a:rPr lang="ru-RU" dirty="0"/>
               <a:t>Как работает</a:t>
+            </a:r>
+            <a:r>
+              <a:rPr lang="en-US" dirty="0"/>
+              <a:t>? </a:t>
+            </a:r>
+            <a:r>
+              <a:rPr lang="ru-RU" dirty="0"/>
+              <a:t>ч.1</a:t>
             </a:r>
           </a:p>
         </p:txBody>
@@ -3561,7 +3719,12 @@
             <p:ph idx="1"/>
           </p:nvPr>
         </p:nvSpPr>
-        <p:spPr/>
+        <p:spPr>
+          <a:xfrm>
+            <a:off x="497746" y="2291244"/>
+            <a:ext cx="8184859" cy="3344236"/>
+          </a:xfrm>
+        </p:spPr>
         <p:txBody>
           <a:bodyPr>
             <a:normAutofit/>
@@ -3573,7 +3736,7 @@
             </a:pPr>
             <a:r>
               <a:rPr lang="ru-RU" dirty="0"/>
-              <a:t>Работает так, есть директор, которому необходимо напрячь своего специалиста, чтобы он сделал сайт, директор заходит в бота, пишет техническое задание, пишет цену и дополнительные требования, вся информация заносится в базу данных, и отправляется специалистам по разработке сайтов. Кроме разработки сайтов есть Дизайн, Ускорение, SEO, Разработка, Доработка, Боты. Сам директор добавляет исполнителей в бота посредством ключей, которые создаются для определённой категории, то есть, директор может создать ключ для добавления исполнителей определённой категории, и новый сотрудник, перейдя в бота, должен ввести ключ, который ему даст директор. И после этого исполнитель будет получать задания той категории, ключ на которую он ввёл. Все задания и сроки сохраняются в базе данных</a:t>
+              <a:t>Работает так, есть директор, которому необходимо напрячь своего специалиста, чтобы он сделал сайт, директор заходит в бота, пишет техническое задание, пишет цену и дополнительные требования, вся информация заносится в базу данных, и отправляется специалистам по разработке сайтов. Кроме разработки сайтов есть Дизайн, Ускорение, SEO, Разработка, Доработка, Боты.</a:t>
             </a:r>
           </a:p>
         </p:txBody>
@@ -3608,6 +3771,152 @@
           <a:chExt cx="0" cy="0"/>
         </a:xfrm>
       </p:grpSpPr>
+      <p:pic>
+        <p:nvPicPr>
+          <p:cNvPr id="6" name="Рисунок 5">
+            <a:extLst>
+              <a:ext uri="{FF2B5EF4-FFF2-40B4-BE49-F238E27FC236}">
+                <a16:creationId xmlns:a16="http://schemas.microsoft.com/office/drawing/2014/main" id="{8CF2E9B7-136C-41E4-837E-FC6411E76FA2}"/>
+              </a:ext>
+            </a:extLst>
+          </p:cNvPr>
+          <p:cNvPicPr>
+            <a:picLocks noChangeAspect="1"/>
+          </p:cNvPicPr>
+          <p:nvPr/>
+        </p:nvPicPr>
+        <p:blipFill>
+          <a:blip r:embed="rId2">
+            <a:extLst>
+              <a:ext uri="{28A0092B-C50C-407E-A947-70E740481C1C}">
+                <a14:useLocalDpi xmlns:a14="http://schemas.microsoft.com/office/drawing/2010/main" val="0"/>
+              </a:ext>
+            </a:extLst>
+          </a:blip>
+          <a:stretch>
+            <a:fillRect/>
+          </a:stretch>
+        </p:blipFill>
+        <p:spPr>
+          <a:xfrm>
+            <a:off x="8711965" y="1738836"/>
+            <a:ext cx="3076909" cy="3177113"/>
+          </a:xfrm>
+          <a:prstGeom prst="rect">
+            <a:avLst/>
+          </a:prstGeom>
+        </p:spPr>
+      </p:pic>
+      <p:sp>
+        <p:nvSpPr>
+          <p:cNvPr id="2" name="Заголовок 1">
+            <a:extLst>
+              <a:ext uri="{FF2B5EF4-FFF2-40B4-BE49-F238E27FC236}">
+                <a16:creationId xmlns:a16="http://schemas.microsoft.com/office/drawing/2014/main" id="{5BBB280E-0FB8-44A6-8447-5F763FA3D40D}"/>
+              </a:ext>
+            </a:extLst>
+          </p:cNvPr>
+          <p:cNvSpPr>
+            <a:spLocks noGrp="1"/>
+          </p:cNvSpPr>
+          <p:nvPr>
+            <p:ph type="title"/>
+          </p:nvPr>
+        </p:nvSpPr>
+        <p:spPr>
+          <a:xfrm>
+            <a:off x="774129" y="859172"/>
+            <a:ext cx="7757719" cy="1093365"/>
+          </a:xfrm>
+        </p:spPr>
+        <p:txBody>
+          <a:bodyPr/>
+          <a:lstStyle/>
+          <a:p>
+            <a:pPr algn="ctr"/>
+            <a:r>
+              <a:rPr lang="ru-RU" dirty="0"/>
+              <a:t>Как работает</a:t>
+            </a:r>
+            <a:r>
+              <a:rPr lang="en-US" dirty="0"/>
+              <a:t>?</a:t>
+            </a:r>
+            <a:r>
+              <a:rPr lang="ru-RU" dirty="0"/>
+              <a:t> ч.2</a:t>
+            </a:r>
+          </a:p>
+        </p:txBody>
+      </p:sp>
+      <p:sp>
+        <p:nvSpPr>
+          <p:cNvPr id="3" name="Объект 2">
+            <a:extLst>
+              <a:ext uri="{FF2B5EF4-FFF2-40B4-BE49-F238E27FC236}">
+                <a16:creationId xmlns:a16="http://schemas.microsoft.com/office/drawing/2014/main" id="{E676C6BA-6E6F-47BB-A280-F014F91DA99C}"/>
+              </a:ext>
+            </a:extLst>
+          </p:cNvPr>
+          <p:cNvSpPr>
+            <a:spLocks noGrp="1"/>
+          </p:cNvSpPr>
+          <p:nvPr>
+            <p:ph idx="1"/>
+          </p:nvPr>
+        </p:nvSpPr>
+        <p:spPr>
+          <a:xfrm>
+            <a:off x="774129" y="2457711"/>
+            <a:ext cx="8184859" cy="2663635"/>
+          </a:xfrm>
+        </p:spPr>
+        <p:txBody>
+          <a:bodyPr>
+            <a:normAutofit/>
+          </a:bodyPr>
+          <a:lstStyle/>
+          <a:p>
+            <a:pPr marL="0" indent="0">
+              <a:buNone/>
+            </a:pPr>
+            <a:r>
+              <a:rPr lang="ru-RU" dirty="0"/>
+              <a:t>Сам директор добавляет исполнителей в бота посредством ключей, которые создаются для определённой категории, то есть, директор может создать ключ для добавления исполнителей определённой категории, и новый сотрудник, перейдя в бота, должен ввести ключ, который ему даст директор. И после этого исполнитель будет получать задания той категории, ключ на которую он ввёл. Все задания и сроки сохраняются в базе данных.</a:t>
+            </a:r>
+          </a:p>
+        </p:txBody>
+      </p:sp>
+    </p:spTree>
+    <p:extLst>
+      <p:ext uri="{BB962C8B-B14F-4D97-AF65-F5344CB8AC3E}">
+        <p14:creationId xmlns:p14="http://schemas.microsoft.com/office/powerpoint/2010/main" val="1088645389"/>
+      </p:ext>
+    </p:extLst>
+  </p:cSld>
+  <p:clrMapOvr>
+    <a:masterClrMapping/>
+  </p:clrMapOvr>
+</p:sld>
+</file>
+
+<file path=ppt/slides/slide5.xml><?xml version="1.0" encoding="utf-8"?>
+<p:sld xmlns:a="http://schemas.openxmlformats.org/drawingml/2006/main" xmlns:r="http://schemas.openxmlformats.org/officeDocument/2006/relationships" xmlns:p="http://schemas.openxmlformats.org/presentationml/2006/main">
+  <p:cSld>
+    <p:spTree>
+      <p:nvGrpSpPr>
+        <p:cNvPr id="1" name=""/>
+        <p:cNvGrpSpPr/>
+        <p:nvPr/>
+      </p:nvGrpSpPr>
+      <p:grpSpPr>
+        <a:xfrm>
+          <a:off x="0" y="0"/>
+          <a:ext cx="0" cy="0"/>
+          <a:chOff x="0" y="0"/>
+          <a:chExt cx="0" cy="0"/>
+        </a:xfrm>
+      </p:grpSpPr>
       <p:sp>
         <p:nvSpPr>
           <p:cNvPr id="2" name="Заголовок 1">
@@ -3624,11 +3933,17 @@
             <p:ph type="title"/>
           </p:nvPr>
         </p:nvSpPr>
-        <p:spPr/>
-        <p:txBody>
-          <a:bodyPr/>
-          <a:lstStyle/>
-          <a:p>
+        <p:spPr>
+          <a:xfrm>
+            <a:off x="-618688" y="735435"/>
+            <a:ext cx="9875520" cy="1356360"/>
+          </a:xfrm>
+        </p:spPr>
+        <p:txBody>
+          <a:bodyPr/>
+          <a:lstStyle/>
+          <a:p>
+            <a:pPr algn="ctr"/>
             <a:r>
               <a:rPr lang="ru-RU" dirty="0"/>
               <a:t>Генерация ключа</a:t>
@@ -3652,7 +3967,12 @@
             <p:ph idx="1"/>
           </p:nvPr>
         </p:nvSpPr>
-        <p:spPr/>
+        <p:spPr>
+          <a:xfrm>
+            <a:off x="933276" y="2535118"/>
+            <a:ext cx="7153711" cy="2296486"/>
+          </a:xfrm>
+        </p:spPr>
         <p:txBody>
           <a:bodyPr/>
           <a:lstStyle/>
@@ -3667,6 +3987,42 @@
           </a:p>
         </p:txBody>
       </p:sp>
+      <p:pic>
+        <p:nvPicPr>
+          <p:cNvPr id="7" name="Рисунок 6">
+            <a:extLst>
+              <a:ext uri="{FF2B5EF4-FFF2-40B4-BE49-F238E27FC236}">
+                <a16:creationId xmlns:a16="http://schemas.microsoft.com/office/drawing/2014/main" id="{0988A90B-C898-4163-8532-67A334798FC4}"/>
+              </a:ext>
+            </a:extLst>
+          </p:cNvPr>
+          <p:cNvPicPr>
+            <a:picLocks noChangeAspect="1"/>
+          </p:cNvPicPr>
+          <p:nvPr/>
+        </p:nvPicPr>
+        <p:blipFill>
+          <a:blip r:embed="rId2">
+            <a:extLst>
+              <a:ext uri="{28A0092B-C50C-407E-A947-70E740481C1C}">
+                <a14:useLocalDpi xmlns:a14="http://schemas.microsoft.com/office/drawing/2010/main" val="0"/>
+              </a:ext>
+            </a:extLst>
+          </a:blip>
+          <a:stretch>
+            <a:fillRect/>
+          </a:stretch>
+        </p:blipFill>
+        <p:spPr>
+          <a:xfrm>
+            <a:off x="8086987" y="1583072"/>
+            <a:ext cx="3691855" cy="3691855"/>
+          </a:xfrm>
+          <a:prstGeom prst="rect">
+            <a:avLst/>
+          </a:prstGeom>
+        </p:spPr>
+      </p:pic>
     </p:spTree>
     <p:extLst>
       <p:ext uri="{BB962C8B-B14F-4D97-AF65-F5344CB8AC3E}">
